--- a/AdditionalMaterials/BookPPTs/Chap2-EX2.3.pptx
+++ b/AdditionalMaterials/BookPPTs/Chap2-EX2.3.pptx
@@ -218,7 +218,7 @@
           <a:p>
             <a:fld id="{37B46332-A867-4BC1-AF59-EF23994C6520}" type="datetimeFigureOut">
               <a:rPr lang="en-US" smtClean="0"/>
-              <a:t>1/3/2022</a:t>
+              <a:t>1/11/2022</a:t>
             </a:fld>
             <a:endParaRPr lang="en-US"/>
           </a:p>
@@ -1688,7 +1688,7 @@
           <a:p>
             <a:fld id="{0E6BA319-05E9-49EE-8F99-CA1240CA2757}" type="datetimeFigureOut">
               <a:rPr lang="en-US" smtClean="0"/>
-              <a:t>1/3/2022</a:t>
+              <a:t>1/11/2022</a:t>
             </a:fld>
             <a:endParaRPr lang="en-US"/>
           </a:p>
@@ -1890,7 +1890,7 @@
           <a:p>
             <a:fld id="{0E6BA319-05E9-49EE-8F99-CA1240CA2757}" type="datetimeFigureOut">
               <a:rPr lang="en-US" smtClean="0"/>
-              <a:t>1/3/2022</a:t>
+              <a:t>1/11/2022</a:t>
             </a:fld>
             <a:endParaRPr lang="en-US"/>
           </a:p>
@@ -2646,7 +2646,7 @@
           <a:p>
             <a:fld id="{0E6BA319-05E9-49EE-8F99-CA1240CA2757}" type="datetimeFigureOut">
               <a:rPr lang="en-US" smtClean="0"/>
-              <a:t>1/3/2022</a:t>
+              <a:t>1/11/2022</a:t>
             </a:fld>
             <a:endParaRPr lang="en-US"/>
           </a:p>
@@ -2899,7 +2899,7 @@
           <a:p>
             <a:fld id="{0E6BA319-05E9-49EE-8F99-CA1240CA2757}" type="datetimeFigureOut">
               <a:rPr lang="en-US" smtClean="0"/>
-              <a:t>1/3/2022</a:t>
+              <a:t>1/11/2022</a:t>
             </a:fld>
             <a:endParaRPr lang="en-US"/>
           </a:p>
@@ -3287,7 +3287,7 @@
           <a:p>
             <a:fld id="{0E6BA319-05E9-49EE-8F99-CA1240CA2757}" type="datetimeFigureOut">
               <a:rPr lang="en-US" smtClean="0"/>
-              <a:t>1/3/2022</a:t>
+              <a:t>1/11/2022</a:t>
             </a:fld>
             <a:endParaRPr lang="en-US"/>
           </a:p>
@@ -3428,7 +3428,7 @@
           <a:p>
             <a:fld id="{0E6BA319-05E9-49EE-8F99-CA1240CA2757}" type="datetimeFigureOut">
               <a:rPr lang="en-US" smtClean="0"/>
-              <a:t>1/3/2022</a:t>
+              <a:t>1/11/2022</a:t>
             </a:fld>
             <a:endParaRPr lang="en-US"/>
           </a:p>
@@ -3547,7 +3547,7 @@
           <a:p>
             <a:fld id="{0E6BA319-05E9-49EE-8F99-CA1240CA2757}" type="datetimeFigureOut">
               <a:rPr lang="en-US" smtClean="0"/>
-              <a:t>1/3/2022</a:t>
+              <a:t>1/11/2022</a:t>
             </a:fld>
             <a:endParaRPr lang="en-US"/>
           </a:p>
@@ -3846,7 +3846,7 @@
           <a:p>
             <a:fld id="{0E6BA319-05E9-49EE-8F99-CA1240CA2757}" type="datetimeFigureOut">
               <a:rPr lang="en-US" smtClean="0"/>
-              <a:t>1/3/2022</a:t>
+              <a:t>1/11/2022</a:t>
             </a:fld>
             <a:endParaRPr lang="en-US"/>
           </a:p>
@@ -4122,7 +4122,7 @@
           <a:p>
             <a:fld id="{0E6BA319-05E9-49EE-8F99-CA1240CA2757}" type="datetimeFigureOut">
               <a:rPr lang="en-US" smtClean="0"/>
-              <a:t>1/3/2022</a:t>
+              <a:t>1/11/2022</a:t>
             </a:fld>
             <a:endParaRPr lang="en-US"/>
           </a:p>
@@ -6624,7 +6624,7 @@
                   <a:schemeClr val="tx1"/>
                 </a:solidFill>
               </a:rPr>
-              <a:t>Must be defined in </a:t>
+              <a:t>Must be defined in the shader that uses </a:t>
             </a:r>
             <a:r>
               <a:rPr lang="en-US">
@@ -6632,7 +6632,7 @@
                   <a:schemeClr val="tx1"/>
                 </a:solidFill>
               </a:rPr>
-              <a:t>Fragment shader.</a:t>
+              <a:t>the variable.</a:t>
             </a:r>
             <a:endParaRPr lang="en-US" dirty="0"/>
           </a:p>
